--- a/ppt 16-9/0943.更进一步.pptx
+++ b/ppt 16-9/0943.更进一步.pptx
@@ -5,7 +5,7 @@
     <p:sldMasterId id="2147483648" r:id="rId1"/>
   </p:sldMasterIdLst>
   <p:sldIdLst>
-    <p:sldId id="323" r:id="rId2"/>
+    <p:sldId id="324" r:id="rId2"/>
   </p:sldIdLst>
   <p:sldSz cx="12192000" cy="6858000"/>
   <p:notesSz cx="6858000" cy="9144000"/>
@@ -129,7 +129,7 @@
           <p:cNvPr id="2" name="标题 1">
             <a:extLst>
               <a:ext uri="{FF2B5EF4-FFF2-40B4-BE49-F238E27FC236}">
-                <a16:creationId xmlns:a16="http://schemas.microsoft.com/office/drawing/2014/main" id="{FFF568AD-B73A-09EB-0044-FA0F8B174650}"/>
+                <a16:creationId xmlns:a16="http://schemas.microsoft.com/office/drawing/2014/main" id="{A94DBBBF-371C-2670-7CB9-5D81E0736257}"/>
               </a:ext>
             </a:extLst>
           </p:cNvPr>
@@ -166,7 +166,7 @@
           <p:cNvPr id="3" name="副标题 2">
             <a:extLst>
               <a:ext uri="{FF2B5EF4-FFF2-40B4-BE49-F238E27FC236}">
-                <a16:creationId xmlns:a16="http://schemas.microsoft.com/office/drawing/2014/main" id="{3C8615DB-7BCB-50B7-1896-0B6E692902C3}"/>
+                <a16:creationId xmlns:a16="http://schemas.microsoft.com/office/drawing/2014/main" id="{70D9145C-536E-FF36-51E8-0E823ECB29EF}"/>
               </a:ext>
             </a:extLst>
           </p:cNvPr>
@@ -236,7 +236,7 @@
           <p:cNvPr id="4" name="日期占位符 3">
             <a:extLst>
               <a:ext uri="{FF2B5EF4-FFF2-40B4-BE49-F238E27FC236}">
-                <a16:creationId xmlns:a16="http://schemas.microsoft.com/office/drawing/2014/main" id="{7D622539-4301-379A-428F-C745C86C8B62}"/>
+                <a16:creationId xmlns:a16="http://schemas.microsoft.com/office/drawing/2014/main" id="{6C35BD0A-6EED-CCEA-AD15-49EC5264AF59}"/>
               </a:ext>
             </a:extLst>
           </p:cNvPr>
@@ -252,7 +252,7 @@
           <a:bodyPr/>
           <a:lstStyle/>
           <a:p>
-            <a:fld id="{4C1D987C-C96C-43A4-96B9-392158BF230F}" type="datetimeFigureOut">
+            <a:fld id="{F680BD3A-2389-4A93-97CB-5E4369E9871C}" type="datetimeFigureOut">
               <a:rPr lang="zh-CN" altLang="en-US" smtClean="0"/>
               <a:t>2024/3/10</a:t>
             </a:fld>
@@ -265,7 +265,7 @@
           <p:cNvPr id="5" name="页脚占位符 4">
             <a:extLst>
               <a:ext uri="{FF2B5EF4-FFF2-40B4-BE49-F238E27FC236}">
-                <a16:creationId xmlns:a16="http://schemas.microsoft.com/office/drawing/2014/main" id="{D2B1AD87-DFA4-C711-5A08-6078E1C35B2D}"/>
+                <a16:creationId xmlns:a16="http://schemas.microsoft.com/office/drawing/2014/main" id="{8531266F-9F41-CF7A-2B48-E226902CA8FB}"/>
               </a:ext>
             </a:extLst>
           </p:cNvPr>
@@ -290,7 +290,7 @@
           <p:cNvPr id="6" name="灯片编号占位符 5">
             <a:extLst>
               <a:ext uri="{FF2B5EF4-FFF2-40B4-BE49-F238E27FC236}">
-                <a16:creationId xmlns:a16="http://schemas.microsoft.com/office/drawing/2014/main" id="{B4F780A0-A8BD-AD42-8322-CA33C29494B0}"/>
+                <a16:creationId xmlns:a16="http://schemas.microsoft.com/office/drawing/2014/main" id="{9A8C685C-A9D2-640F-3669-F749554E73BC}"/>
               </a:ext>
             </a:extLst>
           </p:cNvPr>
@@ -306,7 +306,7 @@
           <a:bodyPr/>
           <a:lstStyle/>
           <a:p>
-            <a:fld id="{E70C1098-34B0-40A9-AAFA-1339357812A4}" type="slidenum">
+            <a:fld id="{A6E24FCD-1698-4F51-92AD-81BC2BC261AB}" type="slidenum">
               <a:rPr lang="zh-CN" altLang="en-US" smtClean="0"/>
               <a:t>‹#›</a:t>
             </a:fld>
@@ -317,7 +317,7 @@
     </p:spTree>
     <p:extLst>
       <p:ext uri="{BB962C8B-B14F-4D97-AF65-F5344CB8AC3E}">
-        <p14:creationId xmlns:p14="http://schemas.microsoft.com/office/powerpoint/2010/main" val="2631179306"/>
+        <p14:creationId xmlns:p14="http://schemas.microsoft.com/office/powerpoint/2010/main" val="732686103"/>
       </p:ext>
     </p:extLst>
   </p:cSld>
@@ -349,7 +349,7 @@
           <p:cNvPr id="2" name="标题 1">
             <a:extLst>
               <a:ext uri="{FF2B5EF4-FFF2-40B4-BE49-F238E27FC236}">
-                <a16:creationId xmlns:a16="http://schemas.microsoft.com/office/drawing/2014/main" id="{AC6EC8A8-1A68-1120-19B5-5C805AC987E9}"/>
+                <a16:creationId xmlns:a16="http://schemas.microsoft.com/office/drawing/2014/main" id="{D6B10828-5971-78D6-6692-793823C4DB21}"/>
               </a:ext>
             </a:extLst>
           </p:cNvPr>
@@ -377,7 +377,7 @@
           <p:cNvPr id="3" name="竖排文字占位符 2">
             <a:extLst>
               <a:ext uri="{FF2B5EF4-FFF2-40B4-BE49-F238E27FC236}">
-                <a16:creationId xmlns:a16="http://schemas.microsoft.com/office/drawing/2014/main" id="{4EC51CC3-3EB6-5750-E301-7A23EAF616D8}"/>
+                <a16:creationId xmlns:a16="http://schemas.microsoft.com/office/drawing/2014/main" id="{813E703E-8655-74EB-AFB1-C69C8916DB53}"/>
               </a:ext>
             </a:extLst>
           </p:cNvPr>
@@ -434,7 +434,7 @@
           <p:cNvPr id="4" name="日期占位符 3">
             <a:extLst>
               <a:ext uri="{FF2B5EF4-FFF2-40B4-BE49-F238E27FC236}">
-                <a16:creationId xmlns:a16="http://schemas.microsoft.com/office/drawing/2014/main" id="{0C860F58-2DF0-CBBF-30E9-7EA9A0BFD65A}"/>
+                <a16:creationId xmlns:a16="http://schemas.microsoft.com/office/drawing/2014/main" id="{9D8639BF-621C-0FB7-D9E3-E1B521F61EBF}"/>
               </a:ext>
             </a:extLst>
           </p:cNvPr>
@@ -450,7 +450,7 @@
           <a:bodyPr/>
           <a:lstStyle/>
           <a:p>
-            <a:fld id="{4C1D987C-C96C-43A4-96B9-392158BF230F}" type="datetimeFigureOut">
+            <a:fld id="{F680BD3A-2389-4A93-97CB-5E4369E9871C}" type="datetimeFigureOut">
               <a:rPr lang="zh-CN" altLang="en-US" smtClean="0"/>
               <a:t>2024/3/10</a:t>
             </a:fld>
@@ -463,7 +463,7 @@
           <p:cNvPr id="5" name="页脚占位符 4">
             <a:extLst>
               <a:ext uri="{FF2B5EF4-FFF2-40B4-BE49-F238E27FC236}">
-                <a16:creationId xmlns:a16="http://schemas.microsoft.com/office/drawing/2014/main" id="{DAC4615A-F929-63F6-B057-B815DEF65123}"/>
+                <a16:creationId xmlns:a16="http://schemas.microsoft.com/office/drawing/2014/main" id="{524E2DE1-03BB-1805-DBED-F5ABDB0DE024}"/>
               </a:ext>
             </a:extLst>
           </p:cNvPr>
@@ -488,7 +488,7 @@
           <p:cNvPr id="6" name="灯片编号占位符 5">
             <a:extLst>
               <a:ext uri="{FF2B5EF4-FFF2-40B4-BE49-F238E27FC236}">
-                <a16:creationId xmlns:a16="http://schemas.microsoft.com/office/drawing/2014/main" id="{02E56F5F-AAEC-E8AF-83F8-FCFEDCB82E92}"/>
+                <a16:creationId xmlns:a16="http://schemas.microsoft.com/office/drawing/2014/main" id="{A5BC9A29-E367-D04A-D8FC-3C73E144DF6E}"/>
               </a:ext>
             </a:extLst>
           </p:cNvPr>
@@ -504,7 +504,7 @@
           <a:bodyPr/>
           <a:lstStyle/>
           <a:p>
-            <a:fld id="{E70C1098-34B0-40A9-AAFA-1339357812A4}" type="slidenum">
+            <a:fld id="{A6E24FCD-1698-4F51-92AD-81BC2BC261AB}" type="slidenum">
               <a:rPr lang="zh-CN" altLang="en-US" smtClean="0"/>
               <a:t>‹#›</a:t>
             </a:fld>
@@ -515,7 +515,7 @@
     </p:spTree>
     <p:extLst>
       <p:ext uri="{BB962C8B-B14F-4D97-AF65-F5344CB8AC3E}">
-        <p14:creationId xmlns:p14="http://schemas.microsoft.com/office/powerpoint/2010/main" val="3135702253"/>
+        <p14:creationId xmlns:p14="http://schemas.microsoft.com/office/powerpoint/2010/main" val="881281165"/>
       </p:ext>
     </p:extLst>
   </p:cSld>
@@ -547,7 +547,7 @@
           <p:cNvPr id="2" name="竖排标题 1">
             <a:extLst>
               <a:ext uri="{FF2B5EF4-FFF2-40B4-BE49-F238E27FC236}">
-                <a16:creationId xmlns:a16="http://schemas.microsoft.com/office/drawing/2014/main" id="{362470B7-3B0E-EB2C-F8E8-A01ED8956722}"/>
+                <a16:creationId xmlns:a16="http://schemas.microsoft.com/office/drawing/2014/main" id="{3A2AECAB-1D2F-905B-DF82-7CF72F9B3895}"/>
               </a:ext>
             </a:extLst>
           </p:cNvPr>
@@ -580,7 +580,7 @@
           <p:cNvPr id="3" name="竖排文字占位符 2">
             <a:extLst>
               <a:ext uri="{FF2B5EF4-FFF2-40B4-BE49-F238E27FC236}">
-                <a16:creationId xmlns:a16="http://schemas.microsoft.com/office/drawing/2014/main" id="{9BADA831-02F3-442C-B38A-4F6DC85489DB}"/>
+                <a16:creationId xmlns:a16="http://schemas.microsoft.com/office/drawing/2014/main" id="{654AA5CF-9F01-6D07-0D12-A32E896C47B5}"/>
               </a:ext>
             </a:extLst>
           </p:cNvPr>
@@ -642,7 +642,7 @@
           <p:cNvPr id="4" name="日期占位符 3">
             <a:extLst>
               <a:ext uri="{FF2B5EF4-FFF2-40B4-BE49-F238E27FC236}">
-                <a16:creationId xmlns:a16="http://schemas.microsoft.com/office/drawing/2014/main" id="{34ED8D1E-0DEB-F513-9FD3-C915BA0823D1}"/>
+                <a16:creationId xmlns:a16="http://schemas.microsoft.com/office/drawing/2014/main" id="{DF699BD0-57C6-B1DD-C44E-CA37F9E4F3BC}"/>
               </a:ext>
             </a:extLst>
           </p:cNvPr>
@@ -658,7 +658,7 @@
           <a:bodyPr/>
           <a:lstStyle/>
           <a:p>
-            <a:fld id="{4C1D987C-C96C-43A4-96B9-392158BF230F}" type="datetimeFigureOut">
+            <a:fld id="{F680BD3A-2389-4A93-97CB-5E4369E9871C}" type="datetimeFigureOut">
               <a:rPr lang="zh-CN" altLang="en-US" smtClean="0"/>
               <a:t>2024/3/10</a:t>
             </a:fld>
@@ -671,7 +671,7 @@
           <p:cNvPr id="5" name="页脚占位符 4">
             <a:extLst>
               <a:ext uri="{FF2B5EF4-FFF2-40B4-BE49-F238E27FC236}">
-                <a16:creationId xmlns:a16="http://schemas.microsoft.com/office/drawing/2014/main" id="{954A999D-BEEB-2C70-EFEB-040864D78037}"/>
+                <a16:creationId xmlns:a16="http://schemas.microsoft.com/office/drawing/2014/main" id="{4EB26FC8-64E1-799F-43F5-57560001F47D}"/>
               </a:ext>
             </a:extLst>
           </p:cNvPr>
@@ -696,7 +696,7 @@
           <p:cNvPr id="6" name="灯片编号占位符 5">
             <a:extLst>
               <a:ext uri="{FF2B5EF4-FFF2-40B4-BE49-F238E27FC236}">
-                <a16:creationId xmlns:a16="http://schemas.microsoft.com/office/drawing/2014/main" id="{46A063CE-CBE5-B3E4-FA96-9EF279DFA7AC}"/>
+                <a16:creationId xmlns:a16="http://schemas.microsoft.com/office/drawing/2014/main" id="{DE9A596A-543F-A553-AFD8-18B5DA8E8A49}"/>
               </a:ext>
             </a:extLst>
           </p:cNvPr>
@@ -712,7 +712,7 @@
           <a:bodyPr/>
           <a:lstStyle/>
           <a:p>
-            <a:fld id="{E70C1098-34B0-40A9-AAFA-1339357812A4}" type="slidenum">
+            <a:fld id="{A6E24FCD-1698-4F51-92AD-81BC2BC261AB}" type="slidenum">
               <a:rPr lang="zh-CN" altLang="en-US" smtClean="0"/>
               <a:t>‹#›</a:t>
             </a:fld>
@@ -723,7 +723,7 @@
     </p:spTree>
     <p:extLst>
       <p:ext uri="{BB962C8B-B14F-4D97-AF65-F5344CB8AC3E}">
-        <p14:creationId xmlns:p14="http://schemas.microsoft.com/office/powerpoint/2010/main" val="1327846975"/>
+        <p14:creationId xmlns:p14="http://schemas.microsoft.com/office/powerpoint/2010/main" val="1433616572"/>
       </p:ext>
     </p:extLst>
   </p:cSld>
@@ -755,7 +755,7 @@
           <p:cNvPr id="2" name="标题 1">
             <a:extLst>
               <a:ext uri="{FF2B5EF4-FFF2-40B4-BE49-F238E27FC236}">
-                <a16:creationId xmlns:a16="http://schemas.microsoft.com/office/drawing/2014/main" id="{77CACA94-9FB8-DE8B-83CB-03F7765675C7}"/>
+                <a16:creationId xmlns:a16="http://schemas.microsoft.com/office/drawing/2014/main" id="{5E2CB767-D6E4-F70A-2142-C19814FEE48A}"/>
               </a:ext>
             </a:extLst>
           </p:cNvPr>
@@ -783,7 +783,7 @@
           <p:cNvPr id="3" name="内容占位符 2">
             <a:extLst>
               <a:ext uri="{FF2B5EF4-FFF2-40B4-BE49-F238E27FC236}">
-                <a16:creationId xmlns:a16="http://schemas.microsoft.com/office/drawing/2014/main" id="{6721BBDE-705D-65DE-CA35-8B61ED9F78D9}"/>
+                <a16:creationId xmlns:a16="http://schemas.microsoft.com/office/drawing/2014/main" id="{A58C2A10-7308-10C9-DE64-63C4E124EFB3}"/>
               </a:ext>
             </a:extLst>
           </p:cNvPr>
@@ -840,7 +840,7 @@
           <p:cNvPr id="4" name="日期占位符 3">
             <a:extLst>
               <a:ext uri="{FF2B5EF4-FFF2-40B4-BE49-F238E27FC236}">
-                <a16:creationId xmlns:a16="http://schemas.microsoft.com/office/drawing/2014/main" id="{E3AF2719-D1ED-FC91-3910-F847FBF62F06}"/>
+                <a16:creationId xmlns:a16="http://schemas.microsoft.com/office/drawing/2014/main" id="{9D42469D-CA11-FD70-D9DB-8D3D05C4F30B}"/>
               </a:ext>
             </a:extLst>
           </p:cNvPr>
@@ -856,7 +856,7 @@
           <a:bodyPr/>
           <a:lstStyle/>
           <a:p>
-            <a:fld id="{4C1D987C-C96C-43A4-96B9-392158BF230F}" type="datetimeFigureOut">
+            <a:fld id="{F680BD3A-2389-4A93-97CB-5E4369E9871C}" type="datetimeFigureOut">
               <a:rPr lang="zh-CN" altLang="en-US" smtClean="0"/>
               <a:t>2024/3/10</a:t>
             </a:fld>
@@ -869,7 +869,7 @@
           <p:cNvPr id="5" name="页脚占位符 4">
             <a:extLst>
               <a:ext uri="{FF2B5EF4-FFF2-40B4-BE49-F238E27FC236}">
-                <a16:creationId xmlns:a16="http://schemas.microsoft.com/office/drawing/2014/main" id="{8EAD7E73-E03C-3CF6-1406-7F1D80FFA30B}"/>
+                <a16:creationId xmlns:a16="http://schemas.microsoft.com/office/drawing/2014/main" id="{9B891DB6-3C4F-7653-770D-A888A534DCE2}"/>
               </a:ext>
             </a:extLst>
           </p:cNvPr>
@@ -894,7 +894,7 @@
           <p:cNvPr id="6" name="灯片编号占位符 5">
             <a:extLst>
               <a:ext uri="{FF2B5EF4-FFF2-40B4-BE49-F238E27FC236}">
-                <a16:creationId xmlns:a16="http://schemas.microsoft.com/office/drawing/2014/main" id="{39DBEFBB-258D-93D5-AD75-355867426B98}"/>
+                <a16:creationId xmlns:a16="http://schemas.microsoft.com/office/drawing/2014/main" id="{E6CF3EA5-A8BD-B17B-B4CA-F2A5262BEA41}"/>
               </a:ext>
             </a:extLst>
           </p:cNvPr>
@@ -910,7 +910,7 @@
           <a:bodyPr/>
           <a:lstStyle/>
           <a:p>
-            <a:fld id="{E70C1098-34B0-40A9-AAFA-1339357812A4}" type="slidenum">
+            <a:fld id="{A6E24FCD-1698-4F51-92AD-81BC2BC261AB}" type="slidenum">
               <a:rPr lang="zh-CN" altLang="en-US" smtClean="0"/>
               <a:t>‹#›</a:t>
             </a:fld>
@@ -921,7 +921,7 @@
     </p:spTree>
     <p:extLst>
       <p:ext uri="{BB962C8B-B14F-4D97-AF65-F5344CB8AC3E}">
-        <p14:creationId xmlns:p14="http://schemas.microsoft.com/office/powerpoint/2010/main" val="4199384074"/>
+        <p14:creationId xmlns:p14="http://schemas.microsoft.com/office/powerpoint/2010/main" val="2302709589"/>
       </p:ext>
     </p:extLst>
   </p:cSld>
@@ -953,7 +953,7 @@
           <p:cNvPr id="2" name="标题 1">
             <a:extLst>
               <a:ext uri="{FF2B5EF4-FFF2-40B4-BE49-F238E27FC236}">
-                <a16:creationId xmlns:a16="http://schemas.microsoft.com/office/drawing/2014/main" id="{23E723EB-DDCA-4732-9755-9CBF293A2DCD}"/>
+                <a16:creationId xmlns:a16="http://schemas.microsoft.com/office/drawing/2014/main" id="{3F1209FC-E8D5-1176-A07E-51E35DEA80A5}"/>
               </a:ext>
             </a:extLst>
           </p:cNvPr>
@@ -990,7 +990,7 @@
           <p:cNvPr id="3" name="文本占位符 2">
             <a:extLst>
               <a:ext uri="{FF2B5EF4-FFF2-40B4-BE49-F238E27FC236}">
-                <a16:creationId xmlns:a16="http://schemas.microsoft.com/office/drawing/2014/main" id="{F9ADAFA7-1747-7776-1BD5-8D900AA30D93}"/>
+                <a16:creationId xmlns:a16="http://schemas.microsoft.com/office/drawing/2014/main" id="{FD06B350-E008-E077-B831-830A0B70C023}"/>
               </a:ext>
             </a:extLst>
           </p:cNvPr>
@@ -1115,7 +1115,7 @@
           <p:cNvPr id="4" name="日期占位符 3">
             <a:extLst>
               <a:ext uri="{FF2B5EF4-FFF2-40B4-BE49-F238E27FC236}">
-                <a16:creationId xmlns:a16="http://schemas.microsoft.com/office/drawing/2014/main" id="{E104CF86-2E51-20D9-2FC7-82D37E125F2D}"/>
+                <a16:creationId xmlns:a16="http://schemas.microsoft.com/office/drawing/2014/main" id="{BA44ADE5-8CCA-60A0-2535-2E66542CAAB6}"/>
               </a:ext>
             </a:extLst>
           </p:cNvPr>
@@ -1131,7 +1131,7 @@
           <a:bodyPr/>
           <a:lstStyle/>
           <a:p>
-            <a:fld id="{4C1D987C-C96C-43A4-96B9-392158BF230F}" type="datetimeFigureOut">
+            <a:fld id="{F680BD3A-2389-4A93-97CB-5E4369E9871C}" type="datetimeFigureOut">
               <a:rPr lang="zh-CN" altLang="en-US" smtClean="0"/>
               <a:t>2024/3/10</a:t>
             </a:fld>
@@ -1144,7 +1144,7 @@
           <p:cNvPr id="5" name="页脚占位符 4">
             <a:extLst>
               <a:ext uri="{FF2B5EF4-FFF2-40B4-BE49-F238E27FC236}">
-                <a16:creationId xmlns:a16="http://schemas.microsoft.com/office/drawing/2014/main" id="{986264C9-1E2C-8214-7239-88EA47E6A4A0}"/>
+                <a16:creationId xmlns:a16="http://schemas.microsoft.com/office/drawing/2014/main" id="{CD30B0BE-BA99-5647-B23F-BF66C38E1F3B}"/>
               </a:ext>
             </a:extLst>
           </p:cNvPr>
@@ -1169,7 +1169,7 @@
           <p:cNvPr id="6" name="灯片编号占位符 5">
             <a:extLst>
               <a:ext uri="{FF2B5EF4-FFF2-40B4-BE49-F238E27FC236}">
-                <a16:creationId xmlns:a16="http://schemas.microsoft.com/office/drawing/2014/main" id="{0C6A10BC-7E2F-51DE-9744-A35CFB340257}"/>
+                <a16:creationId xmlns:a16="http://schemas.microsoft.com/office/drawing/2014/main" id="{4B852BA6-799C-E2C0-9410-B5EBD05F5FB5}"/>
               </a:ext>
             </a:extLst>
           </p:cNvPr>
@@ -1185,7 +1185,7 @@
           <a:bodyPr/>
           <a:lstStyle/>
           <a:p>
-            <a:fld id="{E70C1098-34B0-40A9-AAFA-1339357812A4}" type="slidenum">
+            <a:fld id="{A6E24FCD-1698-4F51-92AD-81BC2BC261AB}" type="slidenum">
               <a:rPr lang="zh-CN" altLang="en-US" smtClean="0"/>
               <a:t>‹#›</a:t>
             </a:fld>
@@ -1196,7 +1196,7 @@
     </p:spTree>
     <p:extLst>
       <p:ext uri="{BB962C8B-B14F-4D97-AF65-F5344CB8AC3E}">
-        <p14:creationId xmlns:p14="http://schemas.microsoft.com/office/powerpoint/2010/main" val="3799408337"/>
+        <p14:creationId xmlns:p14="http://schemas.microsoft.com/office/powerpoint/2010/main" val="1611575819"/>
       </p:ext>
     </p:extLst>
   </p:cSld>
@@ -1228,7 +1228,7 @@
           <p:cNvPr id="2" name="标题 1">
             <a:extLst>
               <a:ext uri="{FF2B5EF4-FFF2-40B4-BE49-F238E27FC236}">
-                <a16:creationId xmlns:a16="http://schemas.microsoft.com/office/drawing/2014/main" id="{C1098949-AC2E-822B-1F7F-4AC7DFA4AD7E}"/>
+                <a16:creationId xmlns:a16="http://schemas.microsoft.com/office/drawing/2014/main" id="{9DBABF1A-A8D6-0400-84BC-C8F8BCC0AC94}"/>
               </a:ext>
             </a:extLst>
           </p:cNvPr>
@@ -1256,7 +1256,7 @@
           <p:cNvPr id="3" name="内容占位符 2">
             <a:extLst>
               <a:ext uri="{FF2B5EF4-FFF2-40B4-BE49-F238E27FC236}">
-                <a16:creationId xmlns:a16="http://schemas.microsoft.com/office/drawing/2014/main" id="{7E7C48C7-891D-BDFF-A948-504CF6B7F48B}"/>
+                <a16:creationId xmlns:a16="http://schemas.microsoft.com/office/drawing/2014/main" id="{D5B47F3A-33AF-9212-E42D-162A5B95FEFA}"/>
               </a:ext>
             </a:extLst>
           </p:cNvPr>
@@ -1318,7 +1318,7 @@
           <p:cNvPr id="4" name="内容占位符 3">
             <a:extLst>
               <a:ext uri="{FF2B5EF4-FFF2-40B4-BE49-F238E27FC236}">
-                <a16:creationId xmlns:a16="http://schemas.microsoft.com/office/drawing/2014/main" id="{43B8F15C-6140-6929-EFE0-8D9DF9E9FBCE}"/>
+                <a16:creationId xmlns:a16="http://schemas.microsoft.com/office/drawing/2014/main" id="{BDF91893-ED2D-7F8D-83D2-ECBFD2DA786A}"/>
               </a:ext>
             </a:extLst>
           </p:cNvPr>
@@ -1380,7 +1380,7 @@
           <p:cNvPr id="5" name="日期占位符 4">
             <a:extLst>
               <a:ext uri="{FF2B5EF4-FFF2-40B4-BE49-F238E27FC236}">
-                <a16:creationId xmlns:a16="http://schemas.microsoft.com/office/drawing/2014/main" id="{883E0E7A-BE9C-E906-14CD-BA5AD7EAF71B}"/>
+                <a16:creationId xmlns:a16="http://schemas.microsoft.com/office/drawing/2014/main" id="{8FCCE791-A945-0521-0825-E4B06D5819C7}"/>
               </a:ext>
             </a:extLst>
           </p:cNvPr>
@@ -1396,7 +1396,7 @@
           <a:bodyPr/>
           <a:lstStyle/>
           <a:p>
-            <a:fld id="{4C1D987C-C96C-43A4-96B9-392158BF230F}" type="datetimeFigureOut">
+            <a:fld id="{F680BD3A-2389-4A93-97CB-5E4369E9871C}" type="datetimeFigureOut">
               <a:rPr lang="zh-CN" altLang="en-US" smtClean="0"/>
               <a:t>2024/3/10</a:t>
             </a:fld>
@@ -1409,7 +1409,7 @@
           <p:cNvPr id="6" name="页脚占位符 5">
             <a:extLst>
               <a:ext uri="{FF2B5EF4-FFF2-40B4-BE49-F238E27FC236}">
-                <a16:creationId xmlns:a16="http://schemas.microsoft.com/office/drawing/2014/main" id="{AFDCE2E0-85F2-01E9-58B6-28071D10381A}"/>
+                <a16:creationId xmlns:a16="http://schemas.microsoft.com/office/drawing/2014/main" id="{50A8BFEF-675F-E73D-79D4-2801DA5C02E8}"/>
               </a:ext>
             </a:extLst>
           </p:cNvPr>
@@ -1434,7 +1434,7 @@
           <p:cNvPr id="7" name="灯片编号占位符 6">
             <a:extLst>
               <a:ext uri="{FF2B5EF4-FFF2-40B4-BE49-F238E27FC236}">
-                <a16:creationId xmlns:a16="http://schemas.microsoft.com/office/drawing/2014/main" id="{68099F8E-FE0D-5B84-1C56-DE517559ABCB}"/>
+                <a16:creationId xmlns:a16="http://schemas.microsoft.com/office/drawing/2014/main" id="{77E4833F-7A32-6DEB-4E73-00CD89944B20}"/>
               </a:ext>
             </a:extLst>
           </p:cNvPr>
@@ -1450,7 +1450,7 @@
           <a:bodyPr/>
           <a:lstStyle/>
           <a:p>
-            <a:fld id="{E70C1098-34B0-40A9-AAFA-1339357812A4}" type="slidenum">
+            <a:fld id="{A6E24FCD-1698-4F51-92AD-81BC2BC261AB}" type="slidenum">
               <a:rPr lang="zh-CN" altLang="en-US" smtClean="0"/>
               <a:t>‹#›</a:t>
             </a:fld>
@@ -1461,7 +1461,7 @@
     </p:spTree>
     <p:extLst>
       <p:ext uri="{BB962C8B-B14F-4D97-AF65-F5344CB8AC3E}">
-        <p14:creationId xmlns:p14="http://schemas.microsoft.com/office/powerpoint/2010/main" val="1885494009"/>
+        <p14:creationId xmlns:p14="http://schemas.microsoft.com/office/powerpoint/2010/main" val="3765863274"/>
       </p:ext>
     </p:extLst>
   </p:cSld>
@@ -1493,7 +1493,7 @@
           <p:cNvPr id="2" name="标题 1">
             <a:extLst>
               <a:ext uri="{FF2B5EF4-FFF2-40B4-BE49-F238E27FC236}">
-                <a16:creationId xmlns:a16="http://schemas.microsoft.com/office/drawing/2014/main" id="{927D5EDC-D54D-FD88-55DC-A9AC792A20E5}"/>
+                <a16:creationId xmlns:a16="http://schemas.microsoft.com/office/drawing/2014/main" id="{CBEC4E74-6257-A0FE-2CF1-538F65DAE3F4}"/>
               </a:ext>
             </a:extLst>
           </p:cNvPr>
@@ -1526,7 +1526,7 @@
           <p:cNvPr id="3" name="文本占位符 2">
             <a:extLst>
               <a:ext uri="{FF2B5EF4-FFF2-40B4-BE49-F238E27FC236}">
-                <a16:creationId xmlns:a16="http://schemas.microsoft.com/office/drawing/2014/main" id="{81E1ACDE-BB1F-B4AA-A403-03387FC2BAFA}"/>
+                <a16:creationId xmlns:a16="http://schemas.microsoft.com/office/drawing/2014/main" id="{7F7C0DE4-55CE-E1D1-A7CC-EEBC966D5A7A}"/>
               </a:ext>
             </a:extLst>
           </p:cNvPr>
@@ -1597,7 +1597,7 @@
           <p:cNvPr id="4" name="内容占位符 3">
             <a:extLst>
               <a:ext uri="{FF2B5EF4-FFF2-40B4-BE49-F238E27FC236}">
-                <a16:creationId xmlns:a16="http://schemas.microsoft.com/office/drawing/2014/main" id="{FDB9CF67-676A-4D87-75D6-B079314772A6}"/>
+                <a16:creationId xmlns:a16="http://schemas.microsoft.com/office/drawing/2014/main" id="{4B69EAD6-344D-042F-8132-FB47B74BB428}"/>
               </a:ext>
             </a:extLst>
           </p:cNvPr>
@@ -1659,7 +1659,7 @@
           <p:cNvPr id="5" name="文本占位符 4">
             <a:extLst>
               <a:ext uri="{FF2B5EF4-FFF2-40B4-BE49-F238E27FC236}">
-                <a16:creationId xmlns:a16="http://schemas.microsoft.com/office/drawing/2014/main" id="{38B1675D-4149-7DC4-FD98-90E321963ECA}"/>
+                <a16:creationId xmlns:a16="http://schemas.microsoft.com/office/drawing/2014/main" id="{2BAF9705-DFDD-9E79-EAF6-11B98871AEC0}"/>
               </a:ext>
             </a:extLst>
           </p:cNvPr>
@@ -1730,7 +1730,7 @@
           <p:cNvPr id="6" name="内容占位符 5">
             <a:extLst>
               <a:ext uri="{FF2B5EF4-FFF2-40B4-BE49-F238E27FC236}">
-                <a16:creationId xmlns:a16="http://schemas.microsoft.com/office/drawing/2014/main" id="{E65AE1F3-8276-8A0A-8AEC-49E298144CF4}"/>
+                <a16:creationId xmlns:a16="http://schemas.microsoft.com/office/drawing/2014/main" id="{F37DB585-1693-6A58-43DE-29D5E38CFCC5}"/>
               </a:ext>
             </a:extLst>
           </p:cNvPr>
@@ -1792,7 +1792,7 @@
           <p:cNvPr id="7" name="日期占位符 6">
             <a:extLst>
               <a:ext uri="{FF2B5EF4-FFF2-40B4-BE49-F238E27FC236}">
-                <a16:creationId xmlns:a16="http://schemas.microsoft.com/office/drawing/2014/main" id="{063D6E16-B642-C51C-DF6F-EA40BCBA59F8}"/>
+                <a16:creationId xmlns:a16="http://schemas.microsoft.com/office/drawing/2014/main" id="{BDB2B49C-1782-ED04-7AD5-79BAE45C8521}"/>
               </a:ext>
             </a:extLst>
           </p:cNvPr>
@@ -1808,7 +1808,7 @@
           <a:bodyPr/>
           <a:lstStyle/>
           <a:p>
-            <a:fld id="{4C1D987C-C96C-43A4-96B9-392158BF230F}" type="datetimeFigureOut">
+            <a:fld id="{F680BD3A-2389-4A93-97CB-5E4369E9871C}" type="datetimeFigureOut">
               <a:rPr lang="zh-CN" altLang="en-US" smtClean="0"/>
               <a:t>2024/3/10</a:t>
             </a:fld>
@@ -1821,7 +1821,7 @@
           <p:cNvPr id="8" name="页脚占位符 7">
             <a:extLst>
               <a:ext uri="{FF2B5EF4-FFF2-40B4-BE49-F238E27FC236}">
-                <a16:creationId xmlns:a16="http://schemas.microsoft.com/office/drawing/2014/main" id="{BB7F7ABA-60BE-6CDF-6194-CEBEDF8D3248}"/>
+                <a16:creationId xmlns:a16="http://schemas.microsoft.com/office/drawing/2014/main" id="{54D65D2C-6119-5799-CBAE-C2720683683C}"/>
               </a:ext>
             </a:extLst>
           </p:cNvPr>
@@ -1846,7 +1846,7 @@
           <p:cNvPr id="9" name="灯片编号占位符 8">
             <a:extLst>
               <a:ext uri="{FF2B5EF4-FFF2-40B4-BE49-F238E27FC236}">
-                <a16:creationId xmlns:a16="http://schemas.microsoft.com/office/drawing/2014/main" id="{CEBF2483-BA59-4A44-DE86-D1352B8641F9}"/>
+                <a16:creationId xmlns:a16="http://schemas.microsoft.com/office/drawing/2014/main" id="{10E853D3-F0C5-6C3C-F805-C6575F3A5ABF}"/>
               </a:ext>
             </a:extLst>
           </p:cNvPr>
@@ -1862,7 +1862,7 @@
           <a:bodyPr/>
           <a:lstStyle/>
           <a:p>
-            <a:fld id="{E70C1098-34B0-40A9-AAFA-1339357812A4}" type="slidenum">
+            <a:fld id="{A6E24FCD-1698-4F51-92AD-81BC2BC261AB}" type="slidenum">
               <a:rPr lang="zh-CN" altLang="en-US" smtClean="0"/>
               <a:t>‹#›</a:t>
             </a:fld>
@@ -1873,7 +1873,7 @@
     </p:spTree>
     <p:extLst>
       <p:ext uri="{BB962C8B-B14F-4D97-AF65-F5344CB8AC3E}">
-        <p14:creationId xmlns:p14="http://schemas.microsoft.com/office/powerpoint/2010/main" val="3564922119"/>
+        <p14:creationId xmlns:p14="http://schemas.microsoft.com/office/powerpoint/2010/main" val="943386987"/>
       </p:ext>
     </p:extLst>
   </p:cSld>
@@ -1905,7 +1905,7 @@
           <p:cNvPr id="2" name="标题 1">
             <a:extLst>
               <a:ext uri="{FF2B5EF4-FFF2-40B4-BE49-F238E27FC236}">
-                <a16:creationId xmlns:a16="http://schemas.microsoft.com/office/drawing/2014/main" id="{1F45D82D-0780-B307-F369-70EE16192ECA}"/>
+                <a16:creationId xmlns:a16="http://schemas.microsoft.com/office/drawing/2014/main" id="{D6C21BEA-820D-DC4C-25AA-BB343641820A}"/>
               </a:ext>
             </a:extLst>
           </p:cNvPr>
@@ -1933,7 +1933,7 @@
           <p:cNvPr id="3" name="日期占位符 2">
             <a:extLst>
               <a:ext uri="{FF2B5EF4-FFF2-40B4-BE49-F238E27FC236}">
-                <a16:creationId xmlns:a16="http://schemas.microsoft.com/office/drawing/2014/main" id="{22CB5A61-8379-64CC-4207-1D0F881A6541}"/>
+                <a16:creationId xmlns:a16="http://schemas.microsoft.com/office/drawing/2014/main" id="{37209797-FB8F-34CB-7742-7F603D92CD2A}"/>
               </a:ext>
             </a:extLst>
           </p:cNvPr>
@@ -1949,7 +1949,7 @@
           <a:bodyPr/>
           <a:lstStyle/>
           <a:p>
-            <a:fld id="{4C1D987C-C96C-43A4-96B9-392158BF230F}" type="datetimeFigureOut">
+            <a:fld id="{F680BD3A-2389-4A93-97CB-5E4369E9871C}" type="datetimeFigureOut">
               <a:rPr lang="zh-CN" altLang="en-US" smtClean="0"/>
               <a:t>2024/3/10</a:t>
             </a:fld>
@@ -1962,7 +1962,7 @@
           <p:cNvPr id="4" name="页脚占位符 3">
             <a:extLst>
               <a:ext uri="{FF2B5EF4-FFF2-40B4-BE49-F238E27FC236}">
-                <a16:creationId xmlns:a16="http://schemas.microsoft.com/office/drawing/2014/main" id="{28F2B84B-C084-E239-43A4-9E59ACA15E27}"/>
+                <a16:creationId xmlns:a16="http://schemas.microsoft.com/office/drawing/2014/main" id="{22F36BF0-A7E5-7A91-FF64-ABC9D2CDD99D}"/>
               </a:ext>
             </a:extLst>
           </p:cNvPr>
@@ -1987,7 +1987,7 @@
           <p:cNvPr id="5" name="灯片编号占位符 4">
             <a:extLst>
               <a:ext uri="{FF2B5EF4-FFF2-40B4-BE49-F238E27FC236}">
-                <a16:creationId xmlns:a16="http://schemas.microsoft.com/office/drawing/2014/main" id="{47619E49-4C17-DD3D-E731-6A6CC7808E8A}"/>
+                <a16:creationId xmlns:a16="http://schemas.microsoft.com/office/drawing/2014/main" id="{C3BF3BCF-7C34-05D5-E0F4-932B63F4787C}"/>
               </a:ext>
             </a:extLst>
           </p:cNvPr>
@@ -2003,7 +2003,7 @@
           <a:bodyPr/>
           <a:lstStyle/>
           <a:p>
-            <a:fld id="{E70C1098-34B0-40A9-AAFA-1339357812A4}" type="slidenum">
+            <a:fld id="{A6E24FCD-1698-4F51-92AD-81BC2BC261AB}" type="slidenum">
               <a:rPr lang="zh-CN" altLang="en-US" smtClean="0"/>
               <a:t>‹#›</a:t>
             </a:fld>
@@ -2014,7 +2014,7 @@
     </p:spTree>
     <p:extLst>
       <p:ext uri="{BB962C8B-B14F-4D97-AF65-F5344CB8AC3E}">
-        <p14:creationId xmlns:p14="http://schemas.microsoft.com/office/powerpoint/2010/main" val="1268331683"/>
+        <p14:creationId xmlns:p14="http://schemas.microsoft.com/office/powerpoint/2010/main" val="632601843"/>
       </p:ext>
     </p:extLst>
   </p:cSld>
@@ -2046,7 +2046,7 @@
           <p:cNvPr id="2" name="日期占位符 1">
             <a:extLst>
               <a:ext uri="{FF2B5EF4-FFF2-40B4-BE49-F238E27FC236}">
-                <a16:creationId xmlns:a16="http://schemas.microsoft.com/office/drawing/2014/main" id="{0CD89A04-B6AB-9DF0-F67E-DE692ADEC39F}"/>
+                <a16:creationId xmlns:a16="http://schemas.microsoft.com/office/drawing/2014/main" id="{8CA77A0E-0369-48AD-E0F9-3384A2AC02C5}"/>
               </a:ext>
             </a:extLst>
           </p:cNvPr>
@@ -2062,7 +2062,7 @@
           <a:bodyPr/>
           <a:lstStyle/>
           <a:p>
-            <a:fld id="{4C1D987C-C96C-43A4-96B9-392158BF230F}" type="datetimeFigureOut">
+            <a:fld id="{F680BD3A-2389-4A93-97CB-5E4369E9871C}" type="datetimeFigureOut">
               <a:rPr lang="zh-CN" altLang="en-US" smtClean="0"/>
               <a:t>2024/3/10</a:t>
             </a:fld>
@@ -2075,7 +2075,7 @@
           <p:cNvPr id="3" name="页脚占位符 2">
             <a:extLst>
               <a:ext uri="{FF2B5EF4-FFF2-40B4-BE49-F238E27FC236}">
-                <a16:creationId xmlns:a16="http://schemas.microsoft.com/office/drawing/2014/main" id="{E3DC5E8E-9748-4168-7751-D3849A503B27}"/>
+                <a16:creationId xmlns:a16="http://schemas.microsoft.com/office/drawing/2014/main" id="{3A2C8CC6-615D-83A9-7343-4E0ADE202E8A}"/>
               </a:ext>
             </a:extLst>
           </p:cNvPr>
@@ -2100,7 +2100,7 @@
           <p:cNvPr id="4" name="灯片编号占位符 3">
             <a:extLst>
               <a:ext uri="{FF2B5EF4-FFF2-40B4-BE49-F238E27FC236}">
-                <a16:creationId xmlns:a16="http://schemas.microsoft.com/office/drawing/2014/main" id="{2453EEE6-D5A8-D06F-717B-D14E7F5917F0}"/>
+                <a16:creationId xmlns:a16="http://schemas.microsoft.com/office/drawing/2014/main" id="{51C407DA-2AF7-7A85-AE94-00CAE167E63C}"/>
               </a:ext>
             </a:extLst>
           </p:cNvPr>
@@ -2116,7 +2116,7 @@
           <a:bodyPr/>
           <a:lstStyle/>
           <a:p>
-            <a:fld id="{E70C1098-34B0-40A9-AAFA-1339357812A4}" type="slidenum">
+            <a:fld id="{A6E24FCD-1698-4F51-92AD-81BC2BC261AB}" type="slidenum">
               <a:rPr lang="zh-CN" altLang="en-US" smtClean="0"/>
               <a:t>‹#›</a:t>
             </a:fld>
@@ -2127,7 +2127,7 @@
     </p:spTree>
     <p:extLst>
       <p:ext uri="{BB962C8B-B14F-4D97-AF65-F5344CB8AC3E}">
-        <p14:creationId xmlns:p14="http://schemas.microsoft.com/office/powerpoint/2010/main" val="3089103897"/>
+        <p14:creationId xmlns:p14="http://schemas.microsoft.com/office/powerpoint/2010/main" val="1732129688"/>
       </p:ext>
     </p:extLst>
   </p:cSld>
@@ -2159,7 +2159,7 @@
           <p:cNvPr id="2" name="标题 1">
             <a:extLst>
               <a:ext uri="{FF2B5EF4-FFF2-40B4-BE49-F238E27FC236}">
-                <a16:creationId xmlns:a16="http://schemas.microsoft.com/office/drawing/2014/main" id="{8FDC2A97-4C26-6086-9BC1-29A7C0D3F4C6}"/>
+                <a16:creationId xmlns:a16="http://schemas.microsoft.com/office/drawing/2014/main" id="{398CC629-5922-A4D4-5C21-1F8799D60AAD}"/>
               </a:ext>
             </a:extLst>
           </p:cNvPr>
@@ -2196,7 +2196,7 @@
           <p:cNvPr id="3" name="内容占位符 2">
             <a:extLst>
               <a:ext uri="{FF2B5EF4-FFF2-40B4-BE49-F238E27FC236}">
-                <a16:creationId xmlns:a16="http://schemas.microsoft.com/office/drawing/2014/main" id="{913A9205-6558-D8C7-74D8-B104B76C67A7}"/>
+                <a16:creationId xmlns:a16="http://schemas.microsoft.com/office/drawing/2014/main" id="{01582A8F-0EB3-0B57-F025-A79CD3C9B1F9}"/>
               </a:ext>
             </a:extLst>
           </p:cNvPr>
@@ -2286,7 +2286,7 @@
           <p:cNvPr id="4" name="文本占位符 3">
             <a:extLst>
               <a:ext uri="{FF2B5EF4-FFF2-40B4-BE49-F238E27FC236}">
-                <a16:creationId xmlns:a16="http://schemas.microsoft.com/office/drawing/2014/main" id="{274466F7-8D3D-B5D9-CF3A-0A0E708456D1}"/>
+                <a16:creationId xmlns:a16="http://schemas.microsoft.com/office/drawing/2014/main" id="{B89A36AE-C5A2-F997-7D77-3EEE27F5E81E}"/>
               </a:ext>
             </a:extLst>
           </p:cNvPr>
@@ -2357,7 +2357,7 @@
           <p:cNvPr id="5" name="日期占位符 4">
             <a:extLst>
               <a:ext uri="{FF2B5EF4-FFF2-40B4-BE49-F238E27FC236}">
-                <a16:creationId xmlns:a16="http://schemas.microsoft.com/office/drawing/2014/main" id="{6DA462AF-51CB-684F-B26E-2CD7EA9F995C}"/>
+                <a16:creationId xmlns:a16="http://schemas.microsoft.com/office/drawing/2014/main" id="{248BD6F3-4C64-988F-DF74-CFAA297E442B}"/>
               </a:ext>
             </a:extLst>
           </p:cNvPr>
@@ -2373,7 +2373,7 @@
           <a:bodyPr/>
           <a:lstStyle/>
           <a:p>
-            <a:fld id="{4C1D987C-C96C-43A4-96B9-392158BF230F}" type="datetimeFigureOut">
+            <a:fld id="{F680BD3A-2389-4A93-97CB-5E4369E9871C}" type="datetimeFigureOut">
               <a:rPr lang="zh-CN" altLang="en-US" smtClean="0"/>
               <a:t>2024/3/10</a:t>
             </a:fld>
@@ -2386,7 +2386,7 @@
           <p:cNvPr id="6" name="页脚占位符 5">
             <a:extLst>
               <a:ext uri="{FF2B5EF4-FFF2-40B4-BE49-F238E27FC236}">
-                <a16:creationId xmlns:a16="http://schemas.microsoft.com/office/drawing/2014/main" id="{E45496AF-C412-D8EA-C7D0-5DD316CBC4EB}"/>
+                <a16:creationId xmlns:a16="http://schemas.microsoft.com/office/drawing/2014/main" id="{1A7D3362-4EF2-133A-7FDE-29162059E205}"/>
               </a:ext>
             </a:extLst>
           </p:cNvPr>
@@ -2411,7 +2411,7 @@
           <p:cNvPr id="7" name="灯片编号占位符 6">
             <a:extLst>
               <a:ext uri="{FF2B5EF4-FFF2-40B4-BE49-F238E27FC236}">
-                <a16:creationId xmlns:a16="http://schemas.microsoft.com/office/drawing/2014/main" id="{9D5F1DF4-E8EB-2D8D-2CD3-37140E3DFA60}"/>
+                <a16:creationId xmlns:a16="http://schemas.microsoft.com/office/drawing/2014/main" id="{7E7DB399-9483-348E-28BD-7CB13D168348}"/>
               </a:ext>
             </a:extLst>
           </p:cNvPr>
@@ -2427,7 +2427,7 @@
           <a:bodyPr/>
           <a:lstStyle/>
           <a:p>
-            <a:fld id="{E70C1098-34B0-40A9-AAFA-1339357812A4}" type="slidenum">
+            <a:fld id="{A6E24FCD-1698-4F51-92AD-81BC2BC261AB}" type="slidenum">
               <a:rPr lang="zh-CN" altLang="en-US" smtClean="0"/>
               <a:t>‹#›</a:t>
             </a:fld>
@@ -2438,7 +2438,7 @@
     </p:spTree>
     <p:extLst>
       <p:ext uri="{BB962C8B-B14F-4D97-AF65-F5344CB8AC3E}">
-        <p14:creationId xmlns:p14="http://schemas.microsoft.com/office/powerpoint/2010/main" val="913741859"/>
+        <p14:creationId xmlns:p14="http://schemas.microsoft.com/office/powerpoint/2010/main" val="3641161327"/>
       </p:ext>
     </p:extLst>
   </p:cSld>
@@ -2470,7 +2470,7 @@
           <p:cNvPr id="2" name="标题 1">
             <a:extLst>
               <a:ext uri="{FF2B5EF4-FFF2-40B4-BE49-F238E27FC236}">
-                <a16:creationId xmlns:a16="http://schemas.microsoft.com/office/drawing/2014/main" id="{DD5AC200-C7CD-DE96-D81B-425AA3748380}"/>
+                <a16:creationId xmlns:a16="http://schemas.microsoft.com/office/drawing/2014/main" id="{7FFF97CA-1F31-CEA9-292E-A0DE80DFEFA6}"/>
               </a:ext>
             </a:extLst>
           </p:cNvPr>
@@ -2507,7 +2507,7 @@
           <p:cNvPr id="3" name="图片占位符 2">
             <a:extLst>
               <a:ext uri="{FF2B5EF4-FFF2-40B4-BE49-F238E27FC236}">
-                <a16:creationId xmlns:a16="http://schemas.microsoft.com/office/drawing/2014/main" id="{CF9C3F08-6F94-D303-2485-E5727F2D430F}"/>
+                <a16:creationId xmlns:a16="http://schemas.microsoft.com/office/drawing/2014/main" id="{32A4995B-0809-A7D9-C68C-2590AE9F2225}"/>
               </a:ext>
             </a:extLst>
           </p:cNvPr>
@@ -2574,7 +2574,7 @@
           <p:cNvPr id="4" name="文本占位符 3">
             <a:extLst>
               <a:ext uri="{FF2B5EF4-FFF2-40B4-BE49-F238E27FC236}">
-                <a16:creationId xmlns:a16="http://schemas.microsoft.com/office/drawing/2014/main" id="{C635B69F-C24A-173B-4222-B4D828C59FB7}"/>
+                <a16:creationId xmlns:a16="http://schemas.microsoft.com/office/drawing/2014/main" id="{DB5E233D-8E1B-7607-C70B-DEAFE1A6847B}"/>
               </a:ext>
             </a:extLst>
           </p:cNvPr>
@@ -2645,7 +2645,7 @@
           <p:cNvPr id="5" name="日期占位符 4">
             <a:extLst>
               <a:ext uri="{FF2B5EF4-FFF2-40B4-BE49-F238E27FC236}">
-                <a16:creationId xmlns:a16="http://schemas.microsoft.com/office/drawing/2014/main" id="{E3234FA9-322B-0158-F8FC-6083611D934D}"/>
+                <a16:creationId xmlns:a16="http://schemas.microsoft.com/office/drawing/2014/main" id="{B1B7A1DE-A257-2A6B-DD3B-6C929AD2A03B}"/>
               </a:ext>
             </a:extLst>
           </p:cNvPr>
@@ -2661,7 +2661,7 @@
           <a:bodyPr/>
           <a:lstStyle/>
           <a:p>
-            <a:fld id="{4C1D987C-C96C-43A4-96B9-392158BF230F}" type="datetimeFigureOut">
+            <a:fld id="{F680BD3A-2389-4A93-97CB-5E4369E9871C}" type="datetimeFigureOut">
               <a:rPr lang="zh-CN" altLang="en-US" smtClean="0"/>
               <a:t>2024/3/10</a:t>
             </a:fld>
@@ -2674,7 +2674,7 @@
           <p:cNvPr id="6" name="页脚占位符 5">
             <a:extLst>
               <a:ext uri="{FF2B5EF4-FFF2-40B4-BE49-F238E27FC236}">
-                <a16:creationId xmlns:a16="http://schemas.microsoft.com/office/drawing/2014/main" id="{BE633F2A-A9B2-0258-0E39-BC54806661AA}"/>
+                <a16:creationId xmlns:a16="http://schemas.microsoft.com/office/drawing/2014/main" id="{3298682A-C7AC-A6A3-6A54-6D0525CE833C}"/>
               </a:ext>
             </a:extLst>
           </p:cNvPr>
@@ -2699,7 +2699,7 @@
           <p:cNvPr id="7" name="灯片编号占位符 6">
             <a:extLst>
               <a:ext uri="{FF2B5EF4-FFF2-40B4-BE49-F238E27FC236}">
-                <a16:creationId xmlns:a16="http://schemas.microsoft.com/office/drawing/2014/main" id="{3A4DFD82-8928-0DD2-78B1-FC08E8483391}"/>
+                <a16:creationId xmlns:a16="http://schemas.microsoft.com/office/drawing/2014/main" id="{837BF651-83F8-6AE5-6270-690EC0285DEE}"/>
               </a:ext>
             </a:extLst>
           </p:cNvPr>
@@ -2715,7 +2715,7 @@
           <a:bodyPr/>
           <a:lstStyle/>
           <a:p>
-            <a:fld id="{E70C1098-34B0-40A9-AAFA-1339357812A4}" type="slidenum">
+            <a:fld id="{A6E24FCD-1698-4F51-92AD-81BC2BC261AB}" type="slidenum">
               <a:rPr lang="zh-CN" altLang="en-US" smtClean="0"/>
               <a:t>‹#›</a:t>
             </a:fld>
@@ -2726,7 +2726,7 @@
     </p:spTree>
     <p:extLst>
       <p:ext uri="{BB962C8B-B14F-4D97-AF65-F5344CB8AC3E}">
-        <p14:creationId xmlns:p14="http://schemas.microsoft.com/office/powerpoint/2010/main" val="900469594"/>
+        <p14:creationId xmlns:p14="http://schemas.microsoft.com/office/powerpoint/2010/main" val="2051195471"/>
       </p:ext>
     </p:extLst>
   </p:cSld>
@@ -2763,7 +2763,7 @@
           <p:cNvPr id="2" name="标题占位符 1">
             <a:extLst>
               <a:ext uri="{FF2B5EF4-FFF2-40B4-BE49-F238E27FC236}">
-                <a16:creationId xmlns:a16="http://schemas.microsoft.com/office/drawing/2014/main" id="{8528A09B-B611-71B1-D5C7-D36A816C287D}"/>
+                <a16:creationId xmlns:a16="http://schemas.microsoft.com/office/drawing/2014/main" id="{872FC56B-A78F-4534-512F-64EB589D30E3}"/>
               </a:ext>
             </a:extLst>
           </p:cNvPr>
@@ -2801,7 +2801,7 @@
           <p:cNvPr id="3" name="文本占位符 2">
             <a:extLst>
               <a:ext uri="{FF2B5EF4-FFF2-40B4-BE49-F238E27FC236}">
-                <a16:creationId xmlns:a16="http://schemas.microsoft.com/office/drawing/2014/main" id="{2C7ED867-6717-4E9C-3740-3096732FC291}"/>
+                <a16:creationId xmlns:a16="http://schemas.microsoft.com/office/drawing/2014/main" id="{16DC2619-6F4B-7723-FB96-5C3F130EE573}"/>
               </a:ext>
             </a:extLst>
           </p:cNvPr>
@@ -2868,7 +2868,7 @@
           <p:cNvPr id="4" name="日期占位符 3">
             <a:extLst>
               <a:ext uri="{FF2B5EF4-FFF2-40B4-BE49-F238E27FC236}">
-                <a16:creationId xmlns:a16="http://schemas.microsoft.com/office/drawing/2014/main" id="{F68D101D-007E-9085-2DF1-2DFEA714E34E}"/>
+                <a16:creationId xmlns:a16="http://schemas.microsoft.com/office/drawing/2014/main" id="{82111C64-4914-A705-BA48-C04008DDB15B}"/>
               </a:ext>
             </a:extLst>
           </p:cNvPr>
@@ -2902,7 +2902,7 @@
             </a:lvl1pPr>
           </a:lstStyle>
           <a:p>
-            <a:fld id="{4C1D987C-C96C-43A4-96B9-392158BF230F}" type="datetimeFigureOut">
+            <a:fld id="{F680BD3A-2389-4A93-97CB-5E4369E9871C}" type="datetimeFigureOut">
               <a:rPr lang="zh-CN" altLang="en-US" smtClean="0"/>
               <a:t>2024/3/10</a:t>
             </a:fld>
@@ -2915,7 +2915,7 @@
           <p:cNvPr id="5" name="页脚占位符 4">
             <a:extLst>
               <a:ext uri="{FF2B5EF4-FFF2-40B4-BE49-F238E27FC236}">
-                <a16:creationId xmlns:a16="http://schemas.microsoft.com/office/drawing/2014/main" id="{869154DF-0968-B0FE-1FBF-CD1BED5E0E75}"/>
+                <a16:creationId xmlns:a16="http://schemas.microsoft.com/office/drawing/2014/main" id="{CF3B6378-8E7F-A50C-9E97-16F0DF457A31}"/>
               </a:ext>
             </a:extLst>
           </p:cNvPr>
@@ -2958,7 +2958,7 @@
           <p:cNvPr id="6" name="灯片编号占位符 5">
             <a:extLst>
               <a:ext uri="{FF2B5EF4-FFF2-40B4-BE49-F238E27FC236}">
-                <a16:creationId xmlns:a16="http://schemas.microsoft.com/office/drawing/2014/main" id="{A5A449DD-9010-DB83-F2DE-6CBB445853E8}"/>
+                <a16:creationId xmlns:a16="http://schemas.microsoft.com/office/drawing/2014/main" id="{69B506B4-B161-FA62-26C9-FEA40D4A87B0}"/>
               </a:ext>
             </a:extLst>
           </p:cNvPr>
@@ -2992,7 +2992,7 @@
             </a:lvl1pPr>
           </a:lstStyle>
           <a:p>
-            <a:fld id="{E70C1098-34B0-40A9-AAFA-1339357812A4}" type="slidenum">
+            <a:fld id="{A6E24FCD-1698-4F51-92AD-81BC2BC261AB}" type="slidenum">
               <a:rPr lang="zh-CN" altLang="en-US" smtClean="0"/>
               <a:t>‹#›</a:t>
             </a:fld>
@@ -3003,7 +3003,7 @@
     </p:spTree>
     <p:extLst>
       <p:ext uri="{BB962C8B-B14F-4D97-AF65-F5344CB8AC3E}">
-        <p14:creationId xmlns:p14="http://schemas.microsoft.com/office/powerpoint/2010/main" val="777029333"/>
+        <p14:creationId xmlns:p14="http://schemas.microsoft.com/office/powerpoint/2010/main" val="1846758633"/>
       </p:ext>
     </p:extLst>
   </p:cSld>
@@ -3323,7 +3323,7 @@
       </p:grpSpPr>
       <p:pic>
         <p:nvPicPr>
-          <p:cNvPr id="965634" name="Picture 2" descr="942"/>
+          <p:cNvPr id="966658" name="Picture 2" descr="943"/>
           <p:cNvPicPr>
             <a:picLocks noChangeAspect="1" noChangeArrowheads="1"/>
           </p:cNvPicPr>
